--- a/talks/Experimental_Design.pptx
+++ b/talks/Experimental_Design.pptx
@@ -263,7 +263,7 @@
           <a:p>
             <a:fld id="{A4343F53-308D-464D-90D8-935A830EAD18}" type="datetimeFigureOut">
               <a:rPr lang="en-US" smtClean="0"/>
-              <a:t>5/23/18</a:t>
+              <a:t>8/9/18</a:t>
             </a:fld>
             <a:endParaRPr lang="en-US"/>
           </a:p>
@@ -427,7 +427,7 @@
           <a:p>
             <a:fld id="{A4343F53-308D-464D-90D8-935A830EAD18}" type="datetimeFigureOut">
               <a:rPr lang="en-US" smtClean="0"/>
-              <a:t>5/23/18</a:t>
+              <a:t>8/9/18</a:t>
             </a:fld>
             <a:endParaRPr lang="en-US"/>
           </a:p>
@@ -601,7 +601,7 @@
           <a:p>
             <a:fld id="{A4343F53-308D-464D-90D8-935A830EAD18}" type="datetimeFigureOut">
               <a:rPr lang="en-US" smtClean="0"/>
-              <a:t>5/23/18</a:t>
+              <a:t>8/9/18</a:t>
             </a:fld>
             <a:endParaRPr lang="en-US"/>
           </a:p>
@@ -908,7 +908,7 @@
           <a:p>
             <a:fld id="{A4343F53-308D-464D-90D8-935A830EAD18}" type="datetimeFigureOut">
               <a:rPr lang="en-US" smtClean="0"/>
-              <a:t>5/23/18</a:t>
+              <a:t>8/9/18</a:t>
             </a:fld>
             <a:endParaRPr lang="en-US"/>
           </a:p>
@@ -1149,7 +1149,7 @@
           <a:p>
             <a:fld id="{A4343F53-308D-464D-90D8-935A830EAD18}" type="datetimeFigureOut">
               <a:rPr lang="en-US" smtClean="0"/>
-              <a:t>5/23/18</a:t>
+              <a:t>8/9/18</a:t>
             </a:fld>
             <a:endParaRPr lang="en-US"/>
           </a:p>
@@ -1374,7 +1374,7 @@
           <a:p>
             <a:fld id="{A4343F53-308D-464D-90D8-935A830EAD18}" type="datetimeFigureOut">
               <a:rPr lang="en-US" smtClean="0"/>
-              <a:t>5/23/18</a:t>
+              <a:t>8/9/18</a:t>
             </a:fld>
             <a:endParaRPr lang="en-US"/>
           </a:p>
@@ -1734,7 +1734,7 @@
           <a:p>
             <a:fld id="{A4343F53-308D-464D-90D8-935A830EAD18}" type="datetimeFigureOut">
               <a:rPr lang="en-US" smtClean="0"/>
-              <a:t>5/23/18</a:t>
+              <a:t>8/9/18</a:t>
             </a:fld>
             <a:endParaRPr lang="en-US"/>
           </a:p>
@@ -1847,7 +1847,7 @@
           <a:p>
             <a:fld id="{A4343F53-308D-464D-90D8-935A830EAD18}" type="datetimeFigureOut">
               <a:rPr lang="en-US" smtClean="0"/>
-              <a:t>5/23/18</a:t>
+              <a:t>8/9/18</a:t>
             </a:fld>
             <a:endParaRPr lang="en-US"/>
           </a:p>
@@ -1938,7 +1938,7 @@
           <a:p>
             <a:fld id="{A4343F53-308D-464D-90D8-935A830EAD18}" type="datetimeFigureOut">
               <a:rPr lang="en-US" smtClean="0"/>
-              <a:t>5/23/18</a:t>
+              <a:t>8/9/18</a:t>
             </a:fld>
             <a:endParaRPr lang="en-US"/>
           </a:p>
@@ -2209,7 +2209,7 @@
           <a:p>
             <a:fld id="{A4343F53-308D-464D-90D8-935A830EAD18}" type="datetimeFigureOut">
               <a:rPr lang="en-US" smtClean="0"/>
-              <a:t>5/23/18</a:t>
+              <a:t>8/9/18</a:t>
             </a:fld>
             <a:endParaRPr lang="en-US"/>
           </a:p>
@@ -2460,7 +2460,7 @@
           <a:p>
             <a:fld id="{A4343F53-308D-464D-90D8-935A830EAD18}" type="datetimeFigureOut">
               <a:rPr lang="en-US" smtClean="0"/>
-              <a:t>5/23/18</a:t>
+              <a:t>8/9/18</a:t>
             </a:fld>
             <a:endParaRPr lang="en-US"/>
           </a:p>
@@ -2668,7 +2668,7 @@
           <a:p>
             <a:fld id="{A4343F53-308D-464D-90D8-935A830EAD18}" type="datetimeFigureOut">
               <a:rPr lang="en-US" smtClean="0"/>
-              <a:t>5/23/18</a:t>
+              <a:t>8/9/18</a:t>
             </a:fld>
             <a:endParaRPr lang="en-US"/>
           </a:p>
@@ -5416,7 +5416,7 @@
             <a:pPr lvl="2"/>
             <a:r>
               <a:rPr lang="en-US" dirty="0"/>
-              <a:t>Amplicon generation ($20/sample)= $383/sample = $4,596</a:t>
+              <a:t>Amplicon generation ($20/sample)= $7,680</a:t>
             </a:r>
           </a:p>
           <a:p>
@@ -5443,7 +5443,7 @@
             <a:pPr lvl="1"/>
             <a:r>
               <a:rPr lang="en-US" dirty="0"/>
-              <a:t>12 samples (DNA)</a:t>
+              <a:t>12 samples (DNA) = $400/sample</a:t>
             </a:r>
           </a:p>
           <a:p>
